--- a/lectures/002-FERPA.pptx
+++ b/lectures/002-FERPA.pptx
@@ -3441,7 +3441,7 @@
           <p:cNvPr id="3" name="Picture 2">
             <a:extLst>
               <a:ext uri="{FF2B5EF4-FFF2-40B4-BE49-F238E27FC236}">
-                <a16:creationId xmlns:a16="http://schemas.microsoft.com/office/drawing/2014/main" xmlns="" id="{EDD31862-E10B-274C-9571-3BE694A2173A}"/>
+                <a16:creationId xmlns="" xmlns:a16="http://schemas.microsoft.com/office/drawing/2014/main" id="{EDD31862-E10B-274C-9571-3BE694A2173A}"/>
               </a:ext>
             </a:extLst>
           </p:cNvPr>
@@ -3602,8 +3602,9 @@
             </a:pPr>
             <a:r>
               <a:rPr lang="en-US" dirty="0" smtClean="0"/>
-              <a:t>File cabinets full of "I agree to follow FERPA" contracts followed by handing over all the student data the vendor needs</a:t>
-            </a:r>
+              <a:t>File cabinets full of "I agree to follow FERPA" contracts </a:t>
+            </a:r>
+            <a:endParaRPr lang="en-US" dirty="0" smtClean="0"/>
           </a:p>
           <a:p>
             <a:pPr>
@@ -3613,7 +3614,11 @@
             </a:pPr>
             <a:r>
               <a:rPr lang="en-US" dirty="0" smtClean="0"/>
-              <a:t>No real concern for student privacy </a:t>
+              <a:t>No </a:t>
+            </a:r>
+            <a:r>
+              <a:rPr lang="en-US" dirty="0" smtClean="0"/>
+              <a:t>real concern for student privacy </a:t>
             </a:r>
             <a:r>
               <a:rPr lang="mr-IN" dirty="0" smtClean="0"/>
@@ -3632,7 +3637,30 @@
             </a:pPr>
             <a:r>
               <a:rPr lang="en-US" dirty="0" smtClean="0"/>
-              <a:t>No assessment of the long term risk of actually losing data</a:t>
+              <a:t>No assessment of the long term risk of actually losing </a:t>
+            </a:r>
+            <a:r>
+              <a:rPr lang="en-US" dirty="0" smtClean="0"/>
+              <a:t>data</a:t>
+            </a:r>
+          </a:p>
+          <a:p>
+            <a:pPr>
+              <a:buClr>
+                <a:srgbClr val="C00000"/>
+              </a:buClr>
+            </a:pPr>
+            <a:r>
+              <a:rPr lang="en-US" dirty="0" smtClean="0"/>
+              <a:t>Does not stop students from </a:t>
+            </a:r>
+            <a:r>
+              <a:rPr lang="en-US" i="1" u="sng" dirty="0" smtClean="0"/>
+              <a:t>voluntarily</a:t>
+            </a:r>
+            <a:r>
+              <a:rPr lang="en-US" dirty="0" smtClean="0"/>
+              <a:t> publishing their work</a:t>
             </a:r>
             <a:endParaRPr lang="en-US" dirty="0"/>
           </a:p>
@@ -4494,7 +4522,7 @@
           <p:cNvPr id="3" name="Picture 2">
             <a:extLst>
               <a:ext uri="{FF2B5EF4-FFF2-40B4-BE49-F238E27FC236}">
-                <a16:creationId xmlns:a16="http://schemas.microsoft.com/office/drawing/2014/main" xmlns="" id="{EDD31862-E10B-274C-9571-3BE694A2173A}"/>
+                <a16:creationId xmlns="" xmlns:a16="http://schemas.microsoft.com/office/drawing/2014/main" id="{EDD31862-E10B-274C-9571-3BE694A2173A}"/>
               </a:ext>
             </a:extLst>
           </p:cNvPr>
@@ -4643,7 +4671,11 @@
             </a:pPr>
             <a:r>
               <a:rPr lang="en-US" dirty="0" smtClean="0"/>
-              <a:t>Three privacy laws</a:t>
+              <a:t>Four privacy </a:t>
+            </a:r>
+            <a:r>
+              <a:rPr lang="en-US" dirty="0" smtClean="0"/>
+              <a:t>laws</a:t>
             </a:r>
           </a:p>
           <a:p>
@@ -5229,11 +5261,7 @@
             </a:pPr>
             <a:r>
               <a:rPr lang="en-US" dirty="0" smtClean="0"/>
-              <a:t>Criminal </a:t>
-            </a:r>
-            <a:r>
-              <a:rPr lang="en-US" dirty="0" smtClean="0"/>
-              <a:t>consequences, prison terms fines (e.g. $1.5M)</a:t>
+              <a:t>Criminal consequences, prison terms fines (e.g. $1.5M)</a:t>
             </a:r>
           </a:p>
           <a:p>
@@ -5244,15 +5272,7 @@
             </a:pPr>
             <a:r>
               <a:rPr lang="en-US" dirty="0" smtClean="0"/>
-              <a:t>Created with </a:t>
-            </a:r>
-            <a:r>
-              <a:rPr lang="en-US" dirty="0" smtClean="0"/>
-              <a:t>input </a:t>
-            </a:r>
-            <a:r>
-              <a:rPr lang="en-US" dirty="0" smtClean="0"/>
-              <a:t>from those affected</a:t>
+              <a:t>Created with input from those affected</a:t>
             </a:r>
           </a:p>
           <a:p>
